--- a/Présention projet 2 BOOKI.pptx
+++ b/Présention projet 2 BOOKI.pptx
@@ -237,7 +237,7 @@
             <a:pPr rtl="0"/>
             <a:fld id="{C9827397-26AB-4BF2-9EED-78506C3A3B86}" type="datetime1">
               <a:rPr lang="fr-FR" smtClean="0"/>
-              <a:t>16/03/2023</a:t>
+              <a:t>17/03/2023</a:t>
             </a:fld>
             <a:endParaRPr lang="fr-FR" dirty="0"/>
           </a:p>
@@ -418,7 +418,7 @@
             <a:fld id="{E2D1EB6D-5E3C-4114-A118-FF801E1B7CD3}" type="datetime1">
               <a:rPr lang="fr-FR" smtClean="0"/>
               <a:pPr/>
-              <a:t>16/03/2023</a:t>
+              <a:t>17/03/2023</a:t>
             </a:fld>
             <a:endParaRPr lang="fr-FR" dirty="0"/>
           </a:p>
@@ -14061,7 +14061,7 @@
             <a:pPr rtl="0"/>
             <a:r>
               <a:rPr lang="fr-FR" dirty="0"/>
-              <a:t>Présentation des interfaces Desktop, Tablette et Mobil</a:t>
+              <a:t>Présentation des interfaces Desktop, Tablette et Mobile</a:t>
             </a:r>
           </a:p>
           <a:p>
@@ -15183,7 +15183,7 @@
               <a:rPr lang="fr-FR" sz="1200" dirty="0">
                 <a:latin typeface="Arial" panose="020B0604020202020204" pitchFamily="34" charset="0"/>
               </a:rPr>
-              <a:t> entre 768px et 1024px tablette et &lt; 768px mobil</a:t>
+              <a:t> entre 768px et 1024px tablette et &lt; 768px mobile</a:t>
             </a:r>
           </a:p>
           <a:p>
@@ -15804,6 +15804,15 @@
                 <a:cs typeface="Arial" panose="020B0604020202020204" pitchFamily="34" charset="0"/>
               </a:rPr>
               <a:t>Indiquer ce qu’il se passe lors du passage à tablette et mobil</a:t>
+            </a:r>
+          </a:p>
+          <a:p>
+            <a:r>
+              <a:rPr lang="fr-FR" sz="2400" dirty="0">
+                <a:latin typeface="Arial" panose="020B0604020202020204" pitchFamily="34" charset="0"/>
+                <a:cs typeface="Arial" panose="020B0604020202020204" pitchFamily="34" charset="0"/>
+              </a:rPr>
+              <a:t>Jeu des différences</a:t>
             </a:r>
           </a:p>
           <a:p>
@@ -17026,15 +17035,6 @@
 </file>
 
 <file path=customXml/item1.xml><?xml version="1.0" encoding="utf-8"?>
-<?mso-contentType ?>
-<FormTemplates xmlns="http://schemas.microsoft.com/sharepoint/v3/contenttype/forms">
-  <Display>DocumentLibraryForm</Display>
-  <Edit>DocumentLibraryForm</Edit>
-  <New>DocumentLibraryForm</New>
-</FormTemplates>
-</file>
-
-<file path=customXml/item2.xml><?xml version="1.0" encoding="utf-8"?>
 <p:properties xmlns:p="http://schemas.microsoft.com/office/2006/metadata/properties" xmlns:xsi="http://www.w3.org/2001/XMLSchema-instance" xmlns:pc="http://schemas.microsoft.com/office/infopath/2007/PartnerControls">
   <documentManagement>
     <_ip_UnifiedCompliancePolicyUIAction xmlns="http://schemas.microsoft.com/sharepoint/v3" xsi:nil="true"/>
@@ -17051,6 +17051,15 @@
     <MediaServiceKeyPoints xmlns="71af3243-3dd4-4a8d-8c0d-dd76da1f02a5" xsi:nil="true"/>
   </documentManagement>
 </p:properties>
+</file>
+
+<file path=customXml/item2.xml><?xml version="1.0" encoding="utf-8"?>
+<?mso-contentType ?>
+<FormTemplates xmlns="http://schemas.microsoft.com/sharepoint/v3/contenttype/forms">
+  <Display>DocumentLibraryForm</Display>
+  <Edit>DocumentLibraryForm</Edit>
+  <New>DocumentLibraryForm</New>
+</FormTemplates>
 </file>
 
 <file path=customXml/item3.xml><?xml version="1.0" encoding="utf-8"?>
@@ -17336,14 +17345,6 @@
 </file>
 
 <file path=customXml/itemProps1.xml><?xml version="1.0" encoding="utf-8"?>
-<ds:datastoreItem xmlns:ds="http://schemas.openxmlformats.org/officeDocument/2006/customXml" ds:itemID="{85334180-0405-413B-834A-44FA9E05ADB7}">
-  <ds:schemaRefs>
-    <ds:schemaRef ds:uri="http://schemas.microsoft.com/sharepoint/v3/contenttype/forms"/>
-  </ds:schemaRefs>
-</ds:datastoreItem>
-</file>
-
-<file path=customXml/itemProps2.xml><?xml version="1.0" encoding="utf-8"?>
 <ds:datastoreItem xmlns:ds="http://schemas.openxmlformats.org/officeDocument/2006/customXml" ds:itemID="{4D5BAB77-79E1-4739-AA51-10C9079186D6}">
   <ds:schemaRefs>
     <ds:schemaRef ds:uri="http://schemas.microsoft.com/office/2006/metadata/properties"/>
@@ -17351,6 +17352,14 @@
     <ds:schemaRef ds:uri="http://schemas.microsoft.com/sharepoint/v3"/>
     <ds:schemaRef ds:uri="71af3243-3dd4-4a8d-8c0d-dd76da1f02a5"/>
     <ds:schemaRef ds:uri="230e9df3-be65-4c73-a93b-d1236ebd677e"/>
+  </ds:schemaRefs>
+</ds:datastoreItem>
+</file>
+
+<file path=customXml/itemProps2.xml><?xml version="1.0" encoding="utf-8"?>
+<ds:datastoreItem xmlns:ds="http://schemas.openxmlformats.org/officeDocument/2006/customXml" ds:itemID="{85334180-0405-413B-834A-44FA9E05ADB7}">
+  <ds:schemaRefs>
+    <ds:schemaRef ds:uri="http://schemas.microsoft.com/sharepoint/v3/contenttype/forms"/>
   </ds:schemaRefs>
 </ds:datastoreItem>
 </file>
